--- a/Hyper-Personalized_In-Game_Advertising .pptx
+++ b/Hyper-Personalized_In-Game_Advertising .pptx
@@ -9091,7 +9091,23 @@
               <a:rPr lang="en-US" sz="2400" dirty="0">
                 <a:latin typeface="Bahnschrift" panose="020B0502040204020203" pitchFamily="34" charset="0"/>
               </a:rPr>
-              <a:t>Revolutionizing Advertising in the Gaming World; Your Name/Company</a:t>
+              <a:t>Revolutionizing Advertising in the Gaming World; </a:t>
+            </a:r>
+            <a:br>
+              <a:rPr lang="en-US" sz="2400" dirty="0">
+                <a:latin typeface="Bahnschrift" panose="020B0502040204020203" pitchFamily="34" charset="0"/>
+              </a:rPr>
+            </a:br>
+            <a:br>
+              <a:rPr lang="en-US" sz="2400" dirty="0">
+                <a:latin typeface="Bahnschrift" panose="020B0502040204020203" pitchFamily="34" charset="0"/>
+              </a:rPr>
+            </a:br>
+            <a:r>
+              <a:rPr lang="en-US" sz="2400" dirty="0">
+                <a:latin typeface="Bahnschrift" panose="020B0502040204020203" pitchFamily="34" charset="0"/>
+              </a:rPr>
+              <a:t>Bibas Rai, Deep Wilson, Kartik Gehlot, Deepak Singh</a:t>
             </a:r>
           </a:p>
         </p:txBody>
@@ -9188,7 +9204,7 @@
         </p:nvSpPr>
         <p:spPr>
           <a:xfrm>
-            <a:off x="804672" y="3121071"/>
+            <a:off x="752121" y="880791"/>
             <a:ext cx="4805996" cy="1297115"/>
           </a:xfrm>
         </p:spPr>
@@ -9228,7 +9244,7 @@
         </p:nvSpPr>
         <p:spPr>
           <a:xfrm>
-            <a:off x="752121" y="2278116"/>
+            <a:off x="752121" y="4404831"/>
             <a:ext cx="5054845" cy="838831"/>
           </a:xfrm>
         </p:spPr>
@@ -9241,6 +9257,68 @@
             <a:pPr marL="0" indent="0">
               <a:buNone/>
             </a:pPr>
+            <a:endParaRPr lang="en-US" sz="2400" kern="1200" dirty="0">
+              <a:solidFill>
+                <a:schemeClr val="tx2"/>
+              </a:solidFill>
+              <a:latin typeface="Bahnschrift" panose="020B0502040204020203" pitchFamily="34" charset="0"/>
+              <a:ea typeface="+mn-ea"/>
+              <a:cs typeface="+mn-cs"/>
+            </a:endParaRPr>
+          </a:p>
+          <a:p>
+            <a:pPr marL="0" indent="0">
+              <a:buNone/>
+            </a:pPr>
+            <a:endParaRPr lang="en-US" sz="2400" dirty="0">
+              <a:solidFill>
+                <a:schemeClr val="tx2"/>
+              </a:solidFill>
+              <a:latin typeface="Bahnschrift" panose="020B0502040204020203" pitchFamily="34" charset="0"/>
+              <a:ea typeface="+mn-ea"/>
+              <a:cs typeface="+mn-cs"/>
+            </a:endParaRPr>
+          </a:p>
+          <a:p>
+            <a:pPr marL="0" indent="0">
+              <a:buNone/>
+            </a:pPr>
+            <a:endParaRPr lang="en-US" sz="2400" dirty="0">
+              <a:solidFill>
+                <a:schemeClr val="tx2"/>
+              </a:solidFill>
+              <a:latin typeface="Bahnschrift" panose="020B0502040204020203" pitchFamily="34" charset="0"/>
+              <a:ea typeface="+mn-ea"/>
+              <a:cs typeface="+mn-cs"/>
+            </a:endParaRPr>
+          </a:p>
+          <a:p>
+            <a:pPr marL="0" indent="0">
+              <a:buNone/>
+            </a:pPr>
+            <a:endParaRPr lang="en-US" sz="2400" kern="1200" dirty="0">
+              <a:solidFill>
+                <a:schemeClr val="tx2"/>
+              </a:solidFill>
+              <a:latin typeface="Bahnschrift" panose="020B0502040204020203" pitchFamily="34" charset="0"/>
+              <a:ea typeface="+mn-ea"/>
+              <a:cs typeface="+mn-cs"/>
+            </a:endParaRPr>
+          </a:p>
+          <a:p>
+            <a:pPr marL="0" indent="0">
+              <a:buNone/>
+            </a:pPr>
+            <a:br>
+              <a:rPr lang="en-US" sz="2400" dirty="0">
+                <a:solidFill>
+                  <a:schemeClr val="tx2"/>
+                </a:solidFill>
+                <a:latin typeface="Bahnschrift" panose="020B0502040204020203" pitchFamily="34" charset="0"/>
+                <a:ea typeface="+mn-ea"/>
+                <a:cs typeface="+mn-cs"/>
+              </a:rPr>
+            </a:br>
             <a:r>
               <a:rPr lang="en-US" sz="2400" kern="1200" dirty="0">
                 <a:solidFill>
@@ -9250,7 +9328,50 @@
                 <a:ea typeface="+mn-ea"/>
                 <a:cs typeface="+mn-cs"/>
               </a:rPr>
-              <a:t>The future of in-game advertising; Invitation for collaboration; Contact information</a:t>
+              <a:t>The future of in-game advertising; Invitation for collaboration. </a:t>
+            </a:r>
+            <a:r>
+              <a:rPr lang="en-US" sz="2400" kern="1200" dirty="0">
+                <a:solidFill>
+                  <a:schemeClr val="tx2"/>
+                </a:solidFill>
+                <a:latin typeface="Bahnschrift" panose="020B0502040204020203" pitchFamily="34" charset="0"/>
+                <a:ea typeface="+mn-ea"/>
+                <a:cs typeface="+mn-cs"/>
+                <a:hlinkClick r:id="rId2"/>
+              </a:rPr>
+              <a:t>https://github.com/bibasrairockz/Hyper-Personalized-In-Game-Advertising.git</a:t>
+            </a:r>
+            <a:br>
+              <a:rPr lang="en-US" sz="2400" kern="1200" dirty="0">
+                <a:solidFill>
+                  <a:schemeClr val="tx2"/>
+                </a:solidFill>
+                <a:latin typeface="Bahnschrift" panose="020B0502040204020203" pitchFamily="34" charset="0"/>
+                <a:ea typeface="+mn-ea"/>
+                <a:cs typeface="+mn-cs"/>
+              </a:rPr>
+            </a:br>
+            <a:br>
+              <a:rPr lang="en-US" sz="2400" kern="1200" dirty="0">
+                <a:solidFill>
+                  <a:schemeClr val="tx2"/>
+                </a:solidFill>
+                <a:latin typeface="Bahnschrift" panose="020B0502040204020203" pitchFamily="34" charset="0"/>
+                <a:ea typeface="+mn-ea"/>
+                <a:cs typeface="+mn-cs"/>
+              </a:rPr>
+            </a:br>
+            <a:r>
+              <a:rPr lang="en-US" sz="2400" kern="1200" dirty="0">
+                <a:solidFill>
+                  <a:schemeClr val="tx2"/>
+                </a:solidFill>
+                <a:latin typeface="Bahnschrift" panose="020B0502040204020203" pitchFamily="34" charset="0"/>
+                <a:ea typeface="+mn-ea"/>
+                <a:cs typeface="+mn-cs"/>
+              </a:rPr>
+              <a:t>			Thank you!</a:t>
             </a:r>
           </a:p>
         </p:txBody>
@@ -9270,13 +9391,13 @@
           <p:nvPr/>
         </p:nvPicPr>
         <p:blipFill>
-          <a:blip r:embed="rId2">
+          <a:blip r:embed="rId3">
             <a:extLst>
               <a:ext uri="{28A0092B-C50C-407E-A947-70E740481C1C}">
                 <a14:useLocalDpi xmlns:a14="http://schemas.microsoft.com/office/drawing/2010/main" val="0"/>
               </a:ext>
               <a:ext uri="{96DAC541-7B7A-43D3-8B79-37D633B846F1}">
-                <asvg:svgBlip xmlns:asvg="http://schemas.microsoft.com/office/drawing/2016/SVG/main" r:embed="rId3"/>
+                <asvg:svgBlip xmlns:asvg="http://schemas.microsoft.com/office/drawing/2016/SVG/main" r:embed="rId4"/>
               </a:ext>
             </a:extLst>
           </a:blip>
@@ -9353,7 +9474,7 @@
         </p:nvSpPr>
         <p:spPr>
           <a:xfrm>
-            <a:off x="6636862" y="2344559"/>
+            <a:off x="6096000" y="2780442"/>
             <a:ext cx="4805996" cy="1297115"/>
           </a:xfrm>
         </p:spPr>
@@ -9393,8 +9514,8 @@
         </p:nvSpPr>
         <p:spPr>
           <a:xfrm>
-            <a:off x="6483390" y="2993116"/>
-            <a:ext cx="4805691" cy="838831"/>
+            <a:off x="6492534" y="3222258"/>
+            <a:ext cx="4805691" cy="2181846"/>
           </a:xfrm>
         </p:spPr>
         <p:txBody>
@@ -9403,9 +9524,6 @@
           </a:bodyPr>
           <a:lstStyle/>
           <a:p>
-            <a:pPr marL="0" indent="0">
-              <a:buNone/>
-            </a:pPr>
             <a:r>
               <a:rPr lang="en-US" sz="2000" kern="1200" dirty="0">
                 <a:solidFill>
@@ -9415,7 +9533,33 @@
                 <a:ea typeface="+mn-ea"/>
                 <a:cs typeface="+mn-cs"/>
               </a:rPr>
-              <a:t>Current ads intrusive and generic; Poor user experience; Low engagement rates</a:t>
+              <a:t>Current ads intrusive and generic; </a:t>
+            </a:r>
+          </a:p>
+          <a:p>
+            <a:r>
+              <a:rPr lang="en-US" sz="2000" kern="1200" dirty="0">
+                <a:solidFill>
+                  <a:schemeClr val="tx2"/>
+                </a:solidFill>
+                <a:latin typeface="Bahnschrift" panose="020B0502040204020203" pitchFamily="34" charset="0"/>
+                <a:ea typeface="+mn-ea"/>
+                <a:cs typeface="+mn-cs"/>
+              </a:rPr>
+              <a:t>Poor user experience; </a:t>
+            </a:r>
+          </a:p>
+          <a:p>
+            <a:r>
+              <a:rPr lang="en-US" sz="2000" kern="1200" dirty="0">
+                <a:solidFill>
+                  <a:schemeClr val="tx2"/>
+                </a:solidFill>
+                <a:latin typeface="Bahnschrift" panose="020B0502040204020203" pitchFamily="34" charset="0"/>
+                <a:ea typeface="+mn-ea"/>
+                <a:cs typeface="+mn-cs"/>
+              </a:rPr>
+              <a:t>Low engagement rates</a:t>
             </a:r>
           </a:p>
         </p:txBody>
@@ -11167,7 +11311,7 @@
         </p:spPr>
         <p:txBody>
           <a:bodyPr vert="horz" lIns="91440" tIns="45720" rIns="91440" bIns="45720" rtlCol="0" anchor="ctr">
-            <a:normAutofit/>
+            <a:normAutofit fontScale="92500" lnSpcReduction="10000"/>
           </a:bodyPr>
           <a:lstStyle/>
           <a:p>
@@ -11187,7 +11331,7 @@
               <a:rPr lang="en-US" sz="2400" dirty="0">
                 <a:latin typeface="Bahnschrift" panose="020B0502040204020203" pitchFamily="34" charset="0"/>
               </a:rPr>
-              <a:t> for matching; </a:t>
+              <a:t> for matching Ads to users</a:t>
             </a:r>
           </a:p>
           <a:p>
@@ -11219,9 +11363,20 @@
               </a:rPr>
               <a:t>GenAI</a:t>
             </a:r>
-            <a:endParaRPr lang="en-US" sz="2400" dirty="0">
-              <a:latin typeface="Bahnschrift" panose="020B0502040204020203" pitchFamily="34" charset="0"/>
-            </a:endParaRPr>
+            <a:r>
+              <a:rPr lang="en-US" sz="2400" dirty="0">
+                <a:latin typeface="Bahnschrift" panose="020B0502040204020203" pitchFamily="34" charset="0"/>
+              </a:rPr>
+              <a:t> (text to image, music), segmentation using Grounding DINO + SAM, </a:t>
+            </a:r>
+          </a:p>
+          <a:p>
+            <a:r>
+              <a:rPr lang="en-US" sz="2400" dirty="0">
+                <a:latin typeface="Bahnschrift" panose="020B0502040204020203" pitchFamily="34" charset="0"/>
+              </a:rPr>
+              <a:t>Computer vision techniques (matting, contour detection)</a:t>
+            </a:r>
           </a:p>
         </p:txBody>
       </p:sp>
@@ -11511,7 +11666,7 @@
         </p:nvSpPr>
         <p:spPr>
           <a:xfrm>
-            <a:off x="761802" y="2528047"/>
+            <a:off x="524058" y="1732519"/>
             <a:ext cx="4646905" cy="3613149"/>
           </a:xfrm>
         </p:spPr>
@@ -11773,7 +11928,7 @@
         </p:nvSpPr>
         <p:spPr>
           <a:xfrm>
-            <a:off x="6115317" y="2743200"/>
+            <a:off x="6076684" y="2056802"/>
             <a:ext cx="5247340" cy="3496878"/>
           </a:xfrm>
         </p:spPr>
